--- a/keylogger_project.pptx
+++ b/keylogger_project.pptx
@@ -15,6 +15,7 @@
     <p:sldId id="263" r:id="rId9"/>
     <p:sldId id="264" r:id="rId10"/>
     <p:sldId id="265" r:id="rId11"/>
+    <p:sldId id="267" r:id="rId12"/>
   </p:sldIdLst>
   <p:sldSz cx="12192000" cy="6858000"/>
   <p:notesSz cx="12192000" cy="6858000"/>
@@ -4858,7 +4859,7 @@
           <a:p>
             <a:fld id="{1D8BD707-D9CF-40AE-B4C6-C98DA3205C09}" type="datetimeFigureOut">
               <a:rPr lang="en-US"/>
-              <a:t>6/11/2024</a:t>
+              <a:t>6/13/2024</a:t>
             </a:fld>
             <a:endParaRPr lang="en-US"/>
           </a:p>
@@ -5038,7 +5039,7 @@
           <a:p>
             <a:fld id="{1D8BD707-D9CF-40AE-B4C6-C98DA3205C09}" type="datetimeFigureOut">
               <a:rPr lang="en-US"/>
-              <a:t>6/11/2024</a:t>
+              <a:t>6/13/2024</a:t>
             </a:fld>
             <a:endParaRPr lang="en-US"/>
           </a:p>
@@ -5261,7 +5262,7 @@
           <a:p>
             <a:fld id="{1D8BD707-D9CF-40AE-B4C6-C98DA3205C09}" type="datetimeFigureOut">
               <a:rPr lang="en-US"/>
-              <a:t>6/11/2024</a:t>
+              <a:t>6/13/2024</a:t>
             </a:fld>
             <a:endParaRPr lang="en-US"/>
           </a:p>
@@ -5418,7 +5419,7 @@
           <a:p>
             <a:fld id="{1D8BD707-D9CF-40AE-B4C6-C98DA3205C09}" type="datetimeFigureOut">
               <a:rPr lang="en-US"/>
-              <a:t>6/11/2024</a:t>
+              <a:t>6/13/2024</a:t>
             </a:fld>
             <a:endParaRPr lang="en-US"/>
           </a:p>
@@ -5546,7 +5547,7 @@
           <a:p>
             <a:fld id="{1D8BD707-D9CF-40AE-B4C6-C98DA3205C09}" type="datetimeFigureOut">
               <a:rPr lang="en-US"/>
-              <a:t>6/11/2024</a:t>
+              <a:t>6/13/2024</a:t>
             </a:fld>
             <a:endParaRPr lang="en-US"/>
           </a:p>
@@ -6265,7 +6266,7 @@
           <a:p>
             <a:fld id="{1D8BD707-D9CF-40AE-B4C6-C98DA3205C09}" type="datetimeFigureOut">
               <a:rPr lang="en-US"/>
-              <a:t>6/11/2024</a:t>
+              <a:t>6/13/2024</a:t>
             </a:fld>
             <a:endParaRPr lang="en-US"/>
           </a:p>
@@ -7651,6 +7652,106 @@
         </p:txBody>
       </p:sp>
     </p:spTree>
+  </p:cSld>
+  <p:clrMapOvr>
+    <a:masterClrMapping/>
+  </p:clrMapOvr>
+</p:sld>
+</file>
+
+<file path=ppt/slides/slide11.xml><?xml version="1.0" encoding="utf-8"?>
+<p:sld xmlns:a="http://schemas.openxmlformats.org/drawingml/2006/main" xmlns:r="http://schemas.openxmlformats.org/officeDocument/2006/relationships" xmlns:p="http://schemas.openxmlformats.org/presentationml/2006/main">
+  <p:cSld>
+    <p:spTree>
+      <p:nvGrpSpPr>
+        <p:cNvPr id="1" name=""/>
+        <p:cNvGrpSpPr/>
+        <p:nvPr/>
+      </p:nvGrpSpPr>
+      <p:grpSpPr>
+        <a:xfrm>
+          <a:off x="0" y="0"/>
+          <a:ext cx="0" cy="0"/>
+          <a:chOff x="0" y="0"/>
+          <a:chExt cx="0" cy="0"/>
+        </a:xfrm>
+      </p:grpSpPr>
+      <p:sp>
+        <p:nvSpPr>
+          <p:cNvPr id="2" name="Title 1">
+            <a:extLst>
+              <a:ext uri="{FF2B5EF4-FFF2-40B4-BE49-F238E27FC236}">
+                <a16:creationId xmlns:a16="http://schemas.microsoft.com/office/drawing/2014/main" id="{78449F17-7120-5042-EA89-B22143A94EE9}"/>
+              </a:ext>
+            </a:extLst>
+          </p:cNvPr>
+          <p:cNvSpPr>
+            <a:spLocks noGrp="1"/>
+          </p:cNvSpPr>
+          <p:nvPr>
+            <p:ph type="ctrTitle"/>
+          </p:nvPr>
+        </p:nvSpPr>
+        <p:spPr>
+          <a:xfrm>
+            <a:off x="3195574" y="2067305"/>
+            <a:ext cx="5800851" cy="492443"/>
+          </a:xfrm>
+        </p:spPr>
+        <p:txBody>
+          <a:bodyPr/>
+          <a:lstStyle/>
+          <a:p>
+            <a:r>
+              <a:rPr lang="en-IN" dirty="0"/>
+              <a:t>Project Link :</a:t>
+            </a:r>
+            <a:endParaRPr lang="en-AG" dirty="0"/>
+          </a:p>
+        </p:txBody>
+      </p:sp>
+      <p:sp>
+        <p:nvSpPr>
+          <p:cNvPr id="3" name="Subtitle 2">
+            <a:extLst>
+              <a:ext uri="{FF2B5EF4-FFF2-40B4-BE49-F238E27FC236}">
+                <a16:creationId xmlns:a16="http://schemas.microsoft.com/office/drawing/2014/main" id="{CCD0A737-5C85-22C4-31CB-796006E9A6BE}"/>
+              </a:ext>
+            </a:extLst>
+          </p:cNvPr>
+          <p:cNvSpPr>
+            <a:spLocks noGrp="1"/>
+          </p:cNvSpPr>
+          <p:nvPr>
+            <p:ph type="subTitle" idx="4"/>
+          </p:nvPr>
+        </p:nvSpPr>
+        <p:spPr>
+          <a:xfrm>
+            <a:off x="1828800" y="3840480"/>
+            <a:ext cx="8534400" cy="276999"/>
+          </a:xfrm>
+        </p:spPr>
+        <p:txBody>
+          <a:bodyPr/>
+          <a:lstStyle/>
+          <a:p>
+            <a:r>
+              <a:rPr lang="en-IN" dirty="0">
+                <a:hlinkClick r:id="rId2"/>
+              </a:rPr>
+              <a:t>https://github.com/LokeshSai29/key_logger_project_APSSDC-CS.git</a:t>
+            </a:r>
+            <a:endParaRPr lang="en-AG" dirty="0"/>
+          </a:p>
+        </p:txBody>
+      </p:sp>
+    </p:spTree>
+    <p:extLst>
+      <p:ext uri="{BB962C8B-B14F-4D97-AF65-F5344CB8AC3E}">
+        <p14:creationId xmlns:p14="http://schemas.microsoft.com/office/powerpoint/2010/main" val="3581026399"/>
+      </p:ext>
+    </p:extLst>
   </p:cSld>
   <p:clrMapOvr>
     <a:masterClrMapping/>

--- a/keylogger_project.pptx
+++ b/keylogger_project.pptx
@@ -4859,7 +4859,7 @@
           <a:p>
             <a:fld id="{1D8BD707-D9CF-40AE-B4C6-C98DA3205C09}" type="datetimeFigureOut">
               <a:rPr lang="en-US"/>
-              <a:t>6/13/2024</a:t>
+              <a:t>6/20/2024</a:t>
             </a:fld>
             <a:endParaRPr lang="en-US"/>
           </a:p>
@@ -5039,7 +5039,7 @@
           <a:p>
             <a:fld id="{1D8BD707-D9CF-40AE-B4C6-C98DA3205C09}" type="datetimeFigureOut">
               <a:rPr lang="en-US"/>
-              <a:t>6/13/2024</a:t>
+              <a:t>6/20/2024</a:t>
             </a:fld>
             <a:endParaRPr lang="en-US"/>
           </a:p>
@@ -5262,7 +5262,7 @@
           <a:p>
             <a:fld id="{1D8BD707-D9CF-40AE-B4C6-C98DA3205C09}" type="datetimeFigureOut">
               <a:rPr lang="en-US"/>
-              <a:t>6/13/2024</a:t>
+              <a:t>6/20/2024</a:t>
             </a:fld>
             <a:endParaRPr lang="en-US"/>
           </a:p>
@@ -5419,7 +5419,7 @@
           <a:p>
             <a:fld id="{1D8BD707-D9CF-40AE-B4C6-C98DA3205C09}" type="datetimeFigureOut">
               <a:rPr lang="en-US"/>
-              <a:t>6/13/2024</a:t>
+              <a:t>6/20/2024</a:t>
             </a:fld>
             <a:endParaRPr lang="en-US"/>
           </a:p>
@@ -5547,7 +5547,7 @@
           <a:p>
             <a:fld id="{1D8BD707-D9CF-40AE-B4C6-C98DA3205C09}" type="datetimeFigureOut">
               <a:rPr lang="en-US"/>
-              <a:t>6/13/2024</a:t>
+              <a:t>6/20/2024</a:t>
             </a:fld>
             <a:endParaRPr lang="en-US"/>
           </a:p>
@@ -6266,7 +6266,7 @@
           <a:p>
             <a:fld id="{1D8BD707-D9CF-40AE-B4C6-C98DA3205C09}" type="datetimeFigureOut">
               <a:rPr lang="en-US"/>
-              <a:t>6/13/2024</a:t>
+              <a:t>6/20/2024</a:t>
             </a:fld>
             <a:endParaRPr lang="en-US"/>
           </a:p>
@@ -8495,7 +8495,7 @@
         <p:spPr>
           <a:xfrm>
             <a:off x="739775" y="829627"/>
-            <a:ext cx="4822825" cy="2902077"/>
+            <a:ext cx="7041580" cy="3825406"/>
           </a:xfrm>
           <a:prstGeom prst="rect">
             <a:avLst/>
@@ -8541,7 +8541,7 @@
               <a:rPr lang="en-US" sz="6000" spc="25" dirty="0">
                 <a:latin typeface="Sitka Small" pitchFamily="2" charset="0"/>
               </a:rPr>
-              <a:t>keylogger”</a:t>
+              <a:t>keylogger and security”</a:t>
             </a:r>
             <a:br>
               <a:rPr lang="en-IN" sz="4250" spc="25" dirty="0"/>
